--- a/Web_Technology_Unit1.pptx
+++ b/Web_Technology_Unit1.pptx
@@ -26,38 +26,40 @@
     <p:sldId id="274" r:id="rId20"/>
     <p:sldId id="275" r:id="rId21"/>
     <p:sldId id="276" r:id="rId22"/>
-    <p:sldId id="277" r:id="rId23"/>
-    <p:sldId id="278" r:id="rId24"/>
-    <p:sldId id="279" r:id="rId25"/>
-    <p:sldId id="280" r:id="rId26"/>
-    <p:sldId id="281" r:id="rId27"/>
-    <p:sldId id="282" r:id="rId28"/>
-    <p:sldId id="283" r:id="rId29"/>
-    <p:sldId id="284" r:id="rId30"/>
-    <p:sldId id="285" r:id="rId31"/>
-    <p:sldId id="286" r:id="rId32"/>
-    <p:sldId id="287" r:id="rId33"/>
-    <p:sldId id="288" r:id="rId34"/>
-    <p:sldId id="289" r:id="rId35"/>
-    <p:sldId id="290" r:id="rId36"/>
-    <p:sldId id="291" r:id="rId37"/>
-    <p:sldId id="292" r:id="rId38"/>
-    <p:sldId id="293" r:id="rId39"/>
-    <p:sldId id="294" r:id="rId40"/>
-    <p:sldId id="295" r:id="rId41"/>
-    <p:sldId id="296" r:id="rId42"/>
-    <p:sldId id="297" r:id="rId43"/>
-    <p:sldId id="298" r:id="rId44"/>
-    <p:sldId id="299" r:id="rId45"/>
-    <p:sldId id="300" r:id="rId46"/>
-    <p:sldId id="301" r:id="rId47"/>
-    <p:sldId id="302" r:id="rId48"/>
-    <p:sldId id="303" r:id="rId49"/>
-    <p:sldId id="304" r:id="rId50"/>
-    <p:sldId id="312" r:id="rId51"/>
-    <p:sldId id="313" r:id="rId52"/>
-    <p:sldId id="314" r:id="rId53"/>
-    <p:sldId id="315" r:id="rId54"/>
+    <p:sldId id="316" r:id="rId23"/>
+    <p:sldId id="317" r:id="rId24"/>
+    <p:sldId id="277" r:id="rId25"/>
+    <p:sldId id="278" r:id="rId26"/>
+    <p:sldId id="279" r:id="rId27"/>
+    <p:sldId id="280" r:id="rId28"/>
+    <p:sldId id="281" r:id="rId29"/>
+    <p:sldId id="282" r:id="rId30"/>
+    <p:sldId id="283" r:id="rId31"/>
+    <p:sldId id="284" r:id="rId32"/>
+    <p:sldId id="285" r:id="rId33"/>
+    <p:sldId id="286" r:id="rId34"/>
+    <p:sldId id="287" r:id="rId35"/>
+    <p:sldId id="288" r:id="rId36"/>
+    <p:sldId id="289" r:id="rId37"/>
+    <p:sldId id="290" r:id="rId38"/>
+    <p:sldId id="291" r:id="rId39"/>
+    <p:sldId id="292" r:id="rId40"/>
+    <p:sldId id="293" r:id="rId41"/>
+    <p:sldId id="294" r:id="rId42"/>
+    <p:sldId id="295" r:id="rId43"/>
+    <p:sldId id="296" r:id="rId44"/>
+    <p:sldId id="297" r:id="rId45"/>
+    <p:sldId id="298" r:id="rId46"/>
+    <p:sldId id="299" r:id="rId47"/>
+    <p:sldId id="300" r:id="rId48"/>
+    <p:sldId id="301" r:id="rId49"/>
+    <p:sldId id="302" r:id="rId50"/>
+    <p:sldId id="303" r:id="rId51"/>
+    <p:sldId id="304" r:id="rId52"/>
+    <p:sldId id="312" r:id="rId53"/>
+    <p:sldId id="313" r:id="rId54"/>
+    <p:sldId id="314" r:id="rId55"/>
+    <p:sldId id="315" r:id="rId56"/>
   </p:sldIdLst>
   <p:sldSz cx="9144000" cy="6858000" type="screen4x3"/>
   <p:notesSz cx="6858000" cy="9144000"/>
@@ -354,7 +356,7 @@
           <a:p>
             <a:fld id="{5BCAD085-E8A6-8845-BD4E-CB4CCA059FC4}" type="datetimeFigureOut">
               <a:rPr lang="en-US" smtClean="0"/>
-              <a:t>7/9/2025</a:t>
+              <a:t>7/14/2025</a:t>
             </a:fld>
             <a:endParaRPr lang="en-US"/>
           </a:p>
@@ -522,7 +524,7 @@
           <a:p>
             <a:fld id="{5BCAD085-E8A6-8845-BD4E-CB4CCA059FC4}" type="datetimeFigureOut">
               <a:rPr lang="en-US" smtClean="0"/>
-              <a:t>7/9/2025</a:t>
+              <a:t>7/14/2025</a:t>
             </a:fld>
             <a:endParaRPr lang="en-US"/>
           </a:p>
@@ -700,7 +702,7 @@
           <a:p>
             <a:fld id="{5BCAD085-E8A6-8845-BD4E-CB4CCA059FC4}" type="datetimeFigureOut">
               <a:rPr lang="en-US" smtClean="0"/>
-              <a:t>7/9/2025</a:t>
+              <a:t>7/14/2025</a:t>
             </a:fld>
             <a:endParaRPr lang="en-US"/>
           </a:p>
@@ -868,7 +870,7 @@
           <a:p>
             <a:fld id="{5BCAD085-E8A6-8845-BD4E-CB4CCA059FC4}" type="datetimeFigureOut">
               <a:rPr lang="en-US" smtClean="0"/>
-              <a:t>7/9/2025</a:t>
+              <a:t>7/14/2025</a:t>
             </a:fld>
             <a:endParaRPr lang="en-US"/>
           </a:p>
@@ -1113,7 +1115,7 @@
           <a:p>
             <a:fld id="{5BCAD085-E8A6-8845-BD4E-CB4CCA059FC4}" type="datetimeFigureOut">
               <a:rPr lang="en-US" smtClean="0"/>
-              <a:t>7/9/2025</a:t>
+              <a:t>7/14/2025</a:t>
             </a:fld>
             <a:endParaRPr lang="en-US"/>
           </a:p>
@@ -1398,7 +1400,7 @@
           <a:p>
             <a:fld id="{5BCAD085-E8A6-8845-BD4E-CB4CCA059FC4}" type="datetimeFigureOut">
               <a:rPr lang="en-US" smtClean="0"/>
-              <a:t>7/9/2025</a:t>
+              <a:t>7/14/2025</a:t>
             </a:fld>
             <a:endParaRPr lang="en-US"/>
           </a:p>
@@ -1817,7 +1819,7 @@
           <a:p>
             <a:fld id="{5BCAD085-E8A6-8845-BD4E-CB4CCA059FC4}" type="datetimeFigureOut">
               <a:rPr lang="en-US" smtClean="0"/>
-              <a:t>7/9/2025</a:t>
+              <a:t>7/14/2025</a:t>
             </a:fld>
             <a:endParaRPr lang="en-US"/>
           </a:p>
@@ -1934,7 +1936,7 @@
           <a:p>
             <a:fld id="{5BCAD085-E8A6-8845-BD4E-CB4CCA059FC4}" type="datetimeFigureOut">
               <a:rPr lang="en-US" smtClean="0"/>
-              <a:t>7/9/2025</a:t>
+              <a:t>7/14/2025</a:t>
             </a:fld>
             <a:endParaRPr lang="en-US"/>
           </a:p>
@@ -2029,7 +2031,7 @@
           <a:p>
             <a:fld id="{5BCAD085-E8A6-8845-BD4E-CB4CCA059FC4}" type="datetimeFigureOut">
               <a:rPr lang="en-US" smtClean="0"/>
-              <a:t>7/9/2025</a:t>
+              <a:t>7/14/2025</a:t>
             </a:fld>
             <a:endParaRPr lang="en-US"/>
           </a:p>
@@ -2304,7 +2306,7 @@
           <a:p>
             <a:fld id="{5BCAD085-E8A6-8845-BD4E-CB4CCA059FC4}" type="datetimeFigureOut">
               <a:rPr lang="en-US" smtClean="0"/>
-              <a:t>7/9/2025</a:t>
+              <a:t>7/14/2025</a:t>
             </a:fld>
             <a:endParaRPr lang="en-US"/>
           </a:p>
@@ -2556,7 +2558,7 @@
           <a:p>
             <a:fld id="{5BCAD085-E8A6-8845-BD4E-CB4CCA059FC4}" type="datetimeFigureOut">
               <a:rPr lang="en-US" smtClean="0"/>
-              <a:t>7/9/2025</a:t>
+              <a:t>7/14/2025</a:t>
             </a:fld>
             <a:endParaRPr lang="en-US"/>
           </a:p>
@@ -2767,7 +2769,7 @@
           <a:p>
             <a:fld id="{5BCAD085-E8A6-8845-BD4E-CB4CCA059FC4}" type="datetimeFigureOut">
               <a:rPr lang="en-US" smtClean="0"/>
-              <a:t>7/9/2025</a:t>
+              <a:t>7/14/2025</a:t>
             </a:fld>
             <a:endParaRPr lang="en-US"/>
           </a:p>
@@ -3189,10 +3191,9 @@
               <a:t>Presented by: </a:t>
             </a:r>
             <a:r>
-              <a:rPr lang="en-IN"/>
+              <a:rPr lang="en-IN" dirty="0"/>
               <a:t>Gaurav</a:t>
             </a:r>
-            <a:endParaRPr lang="en-IN" dirty="0"/>
           </a:p>
         </p:txBody>
       </p:sp>
@@ -3258,16 +3259,19 @@
           <a:lstStyle/>
           <a:p>
             <a:r>
+              <a:rPr dirty="0"/>
               <a:t>Used to transfer files over a network.</a:t>
             </a:r>
           </a:p>
           <a:p>
             <a:r>
+              <a:rPr dirty="0"/>
               <a:t>Uses two channels: command (control) and data.</a:t>
             </a:r>
           </a:p>
           <a:p>
             <a:r>
+              <a:rPr dirty="0"/>
               <a:t>Requires authentication. Example clients: FileZilla, WinSCP.</a:t>
             </a:r>
           </a:p>
@@ -3310,7 +3314,9 @@
         </p:nvSpPr>
         <p:spPr/>
         <p:txBody>
-          <a:bodyPr/>
+          <a:bodyPr>
+            <a:normAutofit fontScale="90000"/>
+          </a:bodyPr>
           <a:lstStyle/>
           <a:p>
             <a:r>
@@ -4146,18 +4152,38 @@
           <a:bodyPr/>
           <a:lstStyle/>
           <a:p>
-            <a:r>
-              <a:t>Monolithic: Single codebase.</a:t>
-            </a:r>
-          </a:p>
-          <a:p>
-            <a:r>
-              <a:t>Layered: Separation by function (UI, logic, data).</a:t>
-            </a:r>
-          </a:p>
-          <a:p>
-            <a:r>
-              <a:t>Microservices: Independently deployable services.</a:t>
+            <a:pPr marL="0" indent="0">
+              <a:buNone/>
+            </a:pPr>
+            <a:r>
+              <a:rPr lang="en-IN" b="1" dirty="0"/>
+              <a:t>Client-Server Architecture</a:t>
+            </a:r>
+          </a:p>
+          <a:p>
+            <a:r>
+              <a:rPr lang="en-IN" b="1" dirty="0"/>
+              <a:t>Client:</a:t>
+            </a:r>
+            <a:r>
+              <a:rPr lang="en-IN" dirty="0"/>
+              <a:t> Sends request (browser)</a:t>
+            </a:r>
+          </a:p>
+          <a:p>
+            <a:r>
+              <a:rPr lang="en-IN" b="1" dirty="0"/>
+              <a:t>Server:</a:t>
+            </a:r>
+            <a:r>
+              <a:rPr lang="en-IN" dirty="0"/>
+              <a:t> Sends response (web server/database)</a:t>
+            </a:r>
+          </a:p>
+          <a:p>
+            <a:r>
+              <a:rPr lang="en-IN" dirty="0"/>
+              <a:t>Request–Response model (stateless)</a:t>
             </a:r>
           </a:p>
         </p:txBody>
@@ -4175,7 +4201,13 @@
   <p:cSld>
     <p:spTree>
       <p:nvGrpSpPr>
-        <p:cNvPr id="1" name=""/>
+        <p:cNvPr id="1" name="">
+          <a:extLst>
+            <a:ext uri="{FF2B5EF4-FFF2-40B4-BE49-F238E27FC236}">
+              <a16:creationId xmlns:a16="http://schemas.microsoft.com/office/drawing/2014/main" id="{BE871CD1-9A32-9F69-6D1E-74F1A2AA2B2B}"/>
+            </a:ext>
+          </a:extLst>
+        </p:cNvPr>
         <p:cNvGrpSpPr/>
         <p:nvPr/>
       </p:nvGrpSpPr>
@@ -4189,7 +4221,13 @@
       </p:grpSpPr>
       <p:sp>
         <p:nvSpPr>
-          <p:cNvPr id="2" name="Title 1"/>
+          <p:cNvPr id="2" name="Title 1">
+            <a:extLst>
+              <a:ext uri="{FF2B5EF4-FFF2-40B4-BE49-F238E27FC236}">
+                <a16:creationId xmlns:a16="http://schemas.microsoft.com/office/drawing/2014/main" id="{46EFE494-BD1F-846C-C8EE-3E91ACE2D6EA}"/>
+              </a:ext>
+            </a:extLst>
+          </p:cNvPr>
           <p:cNvSpPr>
             <a:spLocks noGrp="1"/>
           </p:cNvSpPr>
@@ -4203,14 +4241,20 @@
           <a:lstStyle/>
           <a:p>
             <a:r>
-              <a:t>Web Clients</a:t>
-            </a:r>
-          </a:p>
-        </p:txBody>
-      </p:sp>
-      <p:sp>
-        <p:nvSpPr>
-          <p:cNvPr id="3" name="Content Placeholder 2"/>
+              <a:t>Web Architecture Models</a:t>
+            </a:r>
+          </a:p>
+        </p:txBody>
+      </p:sp>
+      <p:sp>
+        <p:nvSpPr>
+          <p:cNvPr id="3" name="Content Placeholder 2">
+            <a:extLst>
+              <a:ext uri="{FF2B5EF4-FFF2-40B4-BE49-F238E27FC236}">
+                <a16:creationId xmlns:a16="http://schemas.microsoft.com/office/drawing/2014/main" id="{8D0ABC49-66E2-B205-F568-0B0511A7F360}"/>
+              </a:ext>
+            </a:extLst>
+          </p:cNvPr>
           <p:cNvSpPr>
             <a:spLocks noGrp="1"/>
           </p:cNvSpPr>
@@ -4223,18 +4267,52 @@
           <a:bodyPr/>
           <a:lstStyle/>
           <a:p>
-            <a:r>
-              <a:t>Software or hardware that accesses web resources.</a:t>
-            </a:r>
-          </a:p>
-          <a:p>
-            <a:r>
-              <a:t>Examples: Web browsers (Chrome, Firefox), mobile apps, smart TVs.</a:t>
+            <a:pPr marL="0" indent="0">
+              <a:buNone/>
+            </a:pPr>
+            <a:r>
+              <a:rPr lang="en-IN" b="1" dirty="0"/>
+              <a:t>Three-tier Architecture</a:t>
+            </a:r>
+          </a:p>
+          <a:p>
+            <a:r>
+              <a:rPr lang="en-IN" b="1" dirty="0"/>
+              <a:t>Presentation Layer:</a:t>
+            </a:r>
+            <a:r>
+              <a:rPr lang="en-IN" dirty="0"/>
+              <a:t> Frontend (HTML, CSS, JS)</a:t>
+            </a:r>
+          </a:p>
+          <a:p>
+            <a:r>
+              <a:rPr lang="en-IN" b="1" dirty="0"/>
+              <a:t>Logic Layer:</a:t>
+            </a:r>
+            <a:r>
+              <a:rPr lang="en-IN" dirty="0"/>
+              <a:t> Server-side logic (PHP, Java, Node.js)</a:t>
+            </a:r>
+          </a:p>
+          <a:p>
+            <a:r>
+              <a:rPr lang="en-IN" b="1" dirty="0"/>
+              <a:t>Data Layer:</a:t>
+            </a:r>
+            <a:r>
+              <a:rPr lang="en-IN" dirty="0"/>
+              <a:t> Database (MySQL, MongoDB)</a:t>
             </a:r>
           </a:p>
         </p:txBody>
       </p:sp>
     </p:spTree>
+    <p:extLst>
+      <p:ext uri="{BB962C8B-B14F-4D97-AF65-F5344CB8AC3E}">
+        <p14:creationId xmlns:p14="http://schemas.microsoft.com/office/powerpoint/2010/main" val="3434529752"/>
+      </p:ext>
+    </p:extLst>
   </p:cSld>
   <p:clrMapOvr>
     <a:masterClrMapping/>
@@ -4247,7 +4325,13 @@
   <p:cSld>
     <p:spTree>
       <p:nvGrpSpPr>
-        <p:cNvPr id="1" name=""/>
+        <p:cNvPr id="1" name="">
+          <a:extLst>
+            <a:ext uri="{FF2B5EF4-FFF2-40B4-BE49-F238E27FC236}">
+              <a16:creationId xmlns:a16="http://schemas.microsoft.com/office/drawing/2014/main" id="{AAD26145-1908-753C-1829-08D52B84E4D8}"/>
+            </a:ext>
+          </a:extLst>
+        </p:cNvPr>
         <p:cNvGrpSpPr/>
         <p:nvPr/>
       </p:nvGrpSpPr>
@@ -4261,7 +4345,13 @@
       </p:grpSpPr>
       <p:sp>
         <p:nvSpPr>
-          <p:cNvPr id="2" name="Title 1"/>
+          <p:cNvPr id="2" name="Title 1">
+            <a:extLst>
+              <a:ext uri="{FF2B5EF4-FFF2-40B4-BE49-F238E27FC236}">
+                <a16:creationId xmlns:a16="http://schemas.microsoft.com/office/drawing/2014/main" id="{FA9FEB40-2EAC-4565-D158-FB1866D11366}"/>
+              </a:ext>
+            </a:extLst>
+          </p:cNvPr>
           <p:cNvSpPr>
             <a:spLocks noGrp="1"/>
           </p:cNvSpPr>
@@ -4275,14 +4365,20 @@
           <a:lstStyle/>
           <a:p>
             <a:r>
-              <a:t>Web Servers</a:t>
-            </a:r>
-          </a:p>
-        </p:txBody>
-      </p:sp>
-      <p:sp>
-        <p:nvSpPr>
-          <p:cNvPr id="3" name="Content Placeholder 2"/>
+              <a:t>Web Architecture Models</a:t>
+            </a:r>
+          </a:p>
+        </p:txBody>
+      </p:sp>
+      <p:sp>
+        <p:nvSpPr>
+          <p:cNvPr id="3" name="Content Placeholder 2">
+            <a:extLst>
+              <a:ext uri="{FF2B5EF4-FFF2-40B4-BE49-F238E27FC236}">
+                <a16:creationId xmlns:a16="http://schemas.microsoft.com/office/drawing/2014/main" id="{786E9383-6763-3C31-7412-4C34513D0500}"/>
+              </a:ext>
+            </a:extLst>
+          </p:cNvPr>
           <p:cNvSpPr>
             <a:spLocks noGrp="1"/>
           </p:cNvSpPr>
@@ -4295,23 +4391,40 @@
           <a:bodyPr/>
           <a:lstStyle/>
           <a:p>
-            <a:r>
-              <a:t>Serve web content via HTTP.</a:t>
-            </a:r>
-          </a:p>
-          <a:p>
-            <a:r>
-              <a:t>Handle requests and return responses.</a:t>
-            </a:r>
-          </a:p>
-          <a:p>
-            <a:r>
-              <a:t>Examples: Apache, Nginx, Microsoft IIS.</a:t>
+            <a:pPr marL="0" indent="0">
+              <a:buNone/>
+            </a:pPr>
+            <a:r>
+              <a:rPr lang="en-US" b="1" dirty="0"/>
+              <a:t>Microservices Architecture</a:t>
+            </a:r>
+          </a:p>
+          <a:p>
+            <a:r>
+              <a:rPr lang="en-US" dirty="0"/>
+              <a:t>Application is split into small services (e.g., login service, payment service)</a:t>
+            </a:r>
+          </a:p>
+          <a:p>
+            <a:r>
+              <a:rPr lang="en-US" dirty="0"/>
+              <a:t>Each service is independently deployable</a:t>
+            </a:r>
+          </a:p>
+          <a:p>
+            <a:r>
+              <a:rPr lang="en-US" dirty="0"/>
+              <a:t>Used in large applications (Netflix, Amazon)</a:t>
             </a:r>
           </a:p>
         </p:txBody>
       </p:sp>
     </p:spTree>
+    <p:extLst>
+      <p:ext uri="{BB962C8B-B14F-4D97-AF65-F5344CB8AC3E}">
+        <p14:creationId xmlns:p14="http://schemas.microsoft.com/office/powerpoint/2010/main" val="3699472322"/>
+      </p:ext>
+    </p:extLst>
   </p:cSld>
   <p:clrMapOvr>
     <a:masterClrMapping/>
@@ -4352,7 +4465,7 @@
           <a:lstStyle/>
           <a:p>
             <a:r>
-              <a:t>Static Web Applications</a:t>
+              <a:t>Web Clients</a:t>
             </a:r>
           </a:p>
         </p:txBody>
@@ -4373,17 +4486,22 @@
           <a:lstStyle/>
           <a:p>
             <a:r>
-              <a:t>Pre-built HTML files delivered as-is to the browser.</a:t>
-            </a:r>
-          </a:p>
-          <a:p>
-            <a:r>
-              <a:t>No server-side processing.</a:t>
-            </a:r>
-          </a:p>
-          <a:p>
-            <a:r>
-              <a:t>Fast, but limited interactivity.</a:t>
+              <a:rPr dirty="0"/>
+              <a:t>Software or hardware that accesses web resources.</a:t>
+            </a:r>
+            <a:endParaRPr lang="en-IN" dirty="0"/>
+          </a:p>
+          <a:p>
+            <a:r>
+              <a:rPr lang="en-US" dirty="0"/>
+              <a:t>Sends HTTP requests to servers</a:t>
+            </a:r>
+            <a:endParaRPr dirty="0"/>
+          </a:p>
+          <a:p>
+            <a:r>
+              <a:rPr dirty="0"/>
+              <a:t>Examples: Web browsers (Chrome, Firefox), mobile apps, smart TVs.</a:t>
             </a:r>
           </a:p>
         </p:txBody>
@@ -4429,7 +4547,7 @@
           <a:lstStyle/>
           <a:p>
             <a:r>
-              <a:t>Dynamic Web Applications</a:t>
+              <a:t>Web Servers</a:t>
             </a:r>
           </a:p>
         </p:txBody>
@@ -4446,22 +4564,41 @@
         </p:nvSpPr>
         <p:spPr/>
         <p:txBody>
-          <a:bodyPr/>
-          <a:lstStyle/>
-          <a:p>
-            <a:r>
-              <a:t>Content generated dynamically using server-side logic.</a:t>
-            </a:r>
-          </a:p>
-          <a:p>
-            <a:r>
-              <a:t>Involves languages like PHP, Python, Node.js.</a:t>
-            </a:r>
-          </a:p>
-          <a:p>
-            <a:r>
-              <a:t>Supports interactivity and user inputs.</a:t>
-            </a:r>
+          <a:bodyPr>
+            <a:normAutofit/>
+          </a:bodyPr>
+          <a:lstStyle/>
+          <a:p>
+            <a:r>
+              <a:rPr dirty="0"/>
+              <a:t>Serve web content via HTTP.</a:t>
+            </a:r>
+          </a:p>
+          <a:p>
+            <a:r>
+              <a:rPr dirty="0"/>
+              <a:t>Handle requests and return responses.</a:t>
+            </a:r>
+            <a:endParaRPr lang="en-IN" dirty="0"/>
+          </a:p>
+          <a:p>
+            <a:r>
+              <a:rPr lang="en-US" dirty="0"/>
+              <a:t>Hosts website files and serves them to clients</a:t>
+            </a:r>
+          </a:p>
+          <a:p>
+            <a:r>
+              <a:rPr lang="en-US" dirty="0"/>
+              <a:t>Examples: Apache, Nginx, Tomcat</a:t>
+            </a:r>
+          </a:p>
+          <a:p>
+            <a:r>
+              <a:rPr lang="en-US" dirty="0"/>
+              <a:t>Responds to HTTP requests with web pages or data</a:t>
+            </a:r>
+            <a:endParaRPr dirty="0"/>
           </a:p>
         </p:txBody>
       </p:sp>
@@ -4506,7 +4643,7 @@
           <a:lstStyle/>
           <a:p>
             <a:r>
-              <a:t>Static vs Dynamic Comparison</a:t>
+              <a:t>Static Web Applications</a:t>
             </a:r>
           </a:p>
         </p:txBody>
@@ -4527,17 +4664,17 @@
           <a:lstStyle/>
           <a:p>
             <a:r>
-              <a:t>Static: Fast, simple, no logic.</a:t>
-            </a:r>
-          </a:p>
-          <a:p>
-            <a:r>
-              <a:t>Dynamic: Interactive, server-dependent.</a:t>
-            </a:r>
-          </a:p>
-          <a:p>
-            <a:r>
-              <a:t>Use cases depend on requirements.</a:t>
+              <a:t>Pre-built HTML files delivered as-is to the browser.</a:t>
+            </a:r>
+          </a:p>
+          <a:p>
+            <a:r>
+              <a:t>No server-side processing.</a:t>
+            </a:r>
+          </a:p>
+          <a:p>
+            <a:r>
+              <a:t>Fast, but limited interactivity.</a:t>
             </a:r>
           </a:p>
         </p:txBody>
@@ -4583,7 +4720,7 @@
           <a:lstStyle/>
           <a:p>
             <a:r>
-              <a:t>Front-End Development</a:t>
+              <a:t>Dynamic Web Applications</a:t>
             </a:r>
           </a:p>
         </p:txBody>
@@ -4604,17 +4741,17 @@
           <a:lstStyle/>
           <a:p>
             <a:r>
-              <a:t>Creates the visual interface of a website.</a:t>
-            </a:r>
-          </a:p>
-          <a:p>
-            <a:r>
-              <a:t>Technologies: HTML (structure), CSS (style), JS (behavior).</a:t>
-            </a:r>
-          </a:p>
-          <a:p>
-            <a:r>
-              <a:t>Tools: VS Code, Chrome DevTools.</a:t>
+              <a:t>Content generated dynamically using server-side logic.</a:t>
+            </a:r>
+          </a:p>
+          <a:p>
+            <a:r>
+              <a:t>Involves languages like PHP, Python, Node.js.</a:t>
+            </a:r>
+          </a:p>
+          <a:p>
+            <a:r>
+              <a:t>Supports interactivity and user inputs.</a:t>
             </a:r>
           </a:p>
         </p:txBody>
@@ -4660,42 +4797,551 @@
           <a:lstStyle/>
           <a:p>
             <a:r>
-              <a:t>Back-End Development</a:t>
-            </a:r>
-          </a:p>
-        </p:txBody>
-      </p:sp>
-      <p:sp>
-        <p:nvSpPr>
-          <p:cNvPr id="3" name="Content Placeholder 2"/>
-          <p:cNvSpPr>
-            <a:spLocks noGrp="1"/>
-          </p:cNvSpPr>
-          <p:nvPr>
-            <p:ph idx="1"/>
-          </p:nvPr>
-        </p:nvSpPr>
-        <p:spPr/>
-        <p:txBody>
-          <a:bodyPr/>
-          <a:lstStyle/>
-          <a:p>
-            <a:r>
-              <a:t>Handles business logic, database operations, and server communication.</a:t>
-            </a:r>
-          </a:p>
-          <a:p>
-            <a:r>
-              <a:t>Languages: PHP, Node.js, Python.</a:t>
-            </a:r>
-          </a:p>
-          <a:p>
-            <a:r>
-              <a:t>Databases: MySQL, MongoDB.</a:t>
-            </a:r>
-          </a:p>
-        </p:txBody>
-      </p:sp>
+              <a:t>Static vs Dynamic Comparison</a:t>
+            </a:r>
+          </a:p>
+        </p:txBody>
+      </p:sp>
+      <p:graphicFrame>
+        <p:nvGraphicFramePr>
+          <p:cNvPr id="6" name="Table 5">
+            <a:extLst>
+              <a:ext uri="{FF2B5EF4-FFF2-40B4-BE49-F238E27FC236}">
+                <a16:creationId xmlns:a16="http://schemas.microsoft.com/office/drawing/2014/main" id="{92D8BA42-933F-3547-0D6B-AE31464AA0EA}"/>
+              </a:ext>
+            </a:extLst>
+          </p:cNvPr>
+          <p:cNvGraphicFramePr>
+            <a:graphicFrameLocks noGrp="1"/>
+          </p:cNvGraphicFramePr>
+          <p:nvPr>
+            <p:extLst>
+              <p:ext uri="{D42A27DB-BD31-4B8C-83A1-F6EECF244321}">
+                <p14:modId xmlns:p14="http://schemas.microsoft.com/office/powerpoint/2010/main" val="2808401583"/>
+              </p:ext>
+            </p:extLst>
+          </p:nvPr>
+        </p:nvGraphicFramePr>
+        <p:xfrm>
+          <a:off x="457200" y="1417638"/>
+          <a:ext cx="8229600" cy="4666233"/>
+        </p:xfrm>
+        <a:graphic>
+          <a:graphicData uri="http://schemas.openxmlformats.org/drawingml/2006/table">
+            <a:tbl>
+              <a:tblPr/>
+              <a:tblGrid>
+                <a:gridCol w="2743200">
+                  <a:extLst>
+                    <a:ext uri="{9D8B030D-6E8A-4147-A177-3AD203B41FA5}">
+                      <a16:colId xmlns:a16="http://schemas.microsoft.com/office/drawing/2014/main" val="409345701"/>
+                    </a:ext>
+                  </a:extLst>
+                </a:gridCol>
+                <a:gridCol w="2743200">
+                  <a:extLst>
+                    <a:ext uri="{9D8B030D-6E8A-4147-A177-3AD203B41FA5}">
+                      <a16:colId xmlns:a16="http://schemas.microsoft.com/office/drawing/2014/main" val="1405652708"/>
+                    </a:ext>
+                  </a:extLst>
+                </a:gridCol>
+                <a:gridCol w="2743200">
+                  <a:extLst>
+                    <a:ext uri="{9D8B030D-6E8A-4147-A177-3AD203B41FA5}">
+                      <a16:colId xmlns:a16="http://schemas.microsoft.com/office/drawing/2014/main" val="764929311"/>
+                    </a:ext>
+                  </a:extLst>
+                </a:gridCol>
+              </a:tblGrid>
+              <a:tr h="671181">
+                <a:tc>
+                  <a:txBody>
+                    <a:bodyPr/>
+                    <a:lstStyle/>
+                    <a:p>
+                      <a:pPr>
+                        <a:buNone/>
+                      </a:pPr>
+                      <a:r>
+                        <a:rPr lang="en-IN" sz="2400" b="1"/>
+                        <a:t>Feature</a:t>
+                      </a:r>
+                    </a:p>
+                  </a:txBody>
+                  <a:tcPr anchor="ctr">
+                    <a:lnL>
+                      <a:noFill/>
+                    </a:lnL>
+                    <a:lnR>
+                      <a:noFill/>
+                    </a:lnR>
+                    <a:lnT>
+                      <a:noFill/>
+                    </a:lnT>
+                    <a:lnB>
+                      <a:noFill/>
+                    </a:lnB>
+                    <a:noFill/>
+                  </a:tcPr>
+                </a:tc>
+                <a:tc>
+                  <a:txBody>
+                    <a:bodyPr/>
+                    <a:lstStyle/>
+                    <a:p>
+                      <a:pPr>
+                        <a:buNone/>
+                      </a:pPr>
+                      <a:r>
+                        <a:rPr lang="en-IN" sz="2400" b="1"/>
+                        <a:t>Static Web App</a:t>
+                      </a:r>
+                    </a:p>
+                  </a:txBody>
+                  <a:tcPr anchor="ctr">
+                    <a:lnL>
+                      <a:noFill/>
+                    </a:lnL>
+                    <a:lnR>
+                      <a:noFill/>
+                    </a:lnR>
+                    <a:lnT>
+                      <a:noFill/>
+                    </a:lnT>
+                    <a:lnB>
+                      <a:noFill/>
+                    </a:lnB>
+                    <a:noFill/>
+                  </a:tcPr>
+                </a:tc>
+                <a:tc>
+                  <a:txBody>
+                    <a:bodyPr/>
+                    <a:lstStyle/>
+                    <a:p>
+                      <a:pPr>
+                        <a:buNone/>
+                      </a:pPr>
+                      <a:r>
+                        <a:rPr lang="en-IN" sz="2400" b="1"/>
+                        <a:t>Dynamic Web App</a:t>
+                      </a:r>
+                    </a:p>
+                  </a:txBody>
+                  <a:tcPr anchor="ctr">
+                    <a:lnL>
+                      <a:noFill/>
+                    </a:lnL>
+                    <a:lnR>
+                      <a:noFill/>
+                    </a:lnR>
+                    <a:lnT>
+                      <a:noFill/>
+                    </a:lnT>
+                    <a:lnB>
+                      <a:noFill/>
+                    </a:lnB>
+                    <a:noFill/>
+                  </a:tcPr>
+                </a:tc>
+                <a:extLst>
+                  <a:ext uri="{0D108BD9-81ED-4DB2-BD59-A6C34878D82A}">
+                    <a16:rowId xmlns:a16="http://schemas.microsoft.com/office/drawing/2014/main" val="2007070225"/>
+                  </a:ext>
+                </a:extLst>
+              </a:tr>
+              <a:tr h="671181">
+                <a:tc>
+                  <a:txBody>
+                    <a:bodyPr/>
+                    <a:lstStyle/>
+                    <a:p>
+                      <a:pPr>
+                        <a:buNone/>
+                      </a:pPr>
+                      <a:r>
+                        <a:rPr lang="en-IN" sz="2400" b="1"/>
+                        <a:t>Content</a:t>
+                      </a:r>
+                    </a:p>
+                  </a:txBody>
+                  <a:tcPr anchor="ctr">
+                    <a:lnL>
+                      <a:noFill/>
+                    </a:lnL>
+                    <a:lnR>
+                      <a:noFill/>
+                    </a:lnR>
+                    <a:lnT>
+                      <a:noFill/>
+                    </a:lnT>
+                    <a:lnB>
+                      <a:noFill/>
+                    </a:lnB>
+                    <a:noFill/>
+                  </a:tcPr>
+                </a:tc>
+                <a:tc>
+                  <a:txBody>
+                    <a:bodyPr/>
+                    <a:lstStyle/>
+                    <a:p>
+                      <a:pPr>
+                        <a:buNone/>
+                      </a:pPr>
+                      <a:r>
+                        <a:rPr lang="en-IN" sz="2400" b="1"/>
+                        <a:t>Fixed</a:t>
+                      </a:r>
+                    </a:p>
+                  </a:txBody>
+                  <a:tcPr anchor="ctr">
+                    <a:lnL>
+                      <a:noFill/>
+                    </a:lnL>
+                    <a:lnR>
+                      <a:noFill/>
+                    </a:lnR>
+                    <a:lnT>
+                      <a:noFill/>
+                    </a:lnT>
+                    <a:lnB>
+                      <a:noFill/>
+                    </a:lnB>
+                    <a:noFill/>
+                  </a:tcPr>
+                </a:tc>
+                <a:tc>
+                  <a:txBody>
+                    <a:bodyPr/>
+                    <a:lstStyle/>
+                    <a:p>
+                      <a:pPr>
+                        <a:buNone/>
+                      </a:pPr>
+                      <a:r>
+                        <a:rPr lang="en-IN" sz="2400" b="1"/>
+                        <a:t>Changes with user/data</a:t>
+                      </a:r>
+                    </a:p>
+                  </a:txBody>
+                  <a:tcPr anchor="ctr">
+                    <a:lnL>
+                      <a:noFill/>
+                    </a:lnL>
+                    <a:lnR>
+                      <a:noFill/>
+                    </a:lnR>
+                    <a:lnT>
+                      <a:noFill/>
+                    </a:lnT>
+                    <a:lnB>
+                      <a:noFill/>
+                    </a:lnB>
+                    <a:noFill/>
+                  </a:tcPr>
+                </a:tc>
+                <a:extLst>
+                  <a:ext uri="{0D108BD9-81ED-4DB2-BD59-A6C34878D82A}">
+                    <a16:rowId xmlns:a16="http://schemas.microsoft.com/office/drawing/2014/main" val="537585394"/>
+                  </a:ext>
+                </a:extLst>
+              </a:tr>
+              <a:tr h="1174566">
+                <a:tc>
+                  <a:txBody>
+                    <a:bodyPr/>
+                    <a:lstStyle/>
+                    <a:p>
+                      <a:pPr>
+                        <a:buNone/>
+                      </a:pPr>
+                      <a:r>
+                        <a:rPr lang="en-IN" sz="2400" b="1"/>
+                        <a:t>Technology</a:t>
+                      </a:r>
+                    </a:p>
+                  </a:txBody>
+                  <a:tcPr anchor="ctr">
+                    <a:lnL>
+                      <a:noFill/>
+                    </a:lnL>
+                    <a:lnR>
+                      <a:noFill/>
+                    </a:lnR>
+                    <a:lnT>
+                      <a:noFill/>
+                    </a:lnT>
+                    <a:lnB>
+                      <a:noFill/>
+                    </a:lnB>
+                    <a:noFill/>
+                  </a:tcPr>
+                </a:tc>
+                <a:tc>
+                  <a:txBody>
+                    <a:bodyPr/>
+                    <a:lstStyle/>
+                    <a:p>
+                      <a:pPr>
+                        <a:buNone/>
+                      </a:pPr>
+                      <a:r>
+                        <a:rPr lang="en-IN" sz="2400" b="1"/>
+                        <a:t>HTML, CSS only</a:t>
+                      </a:r>
+                    </a:p>
+                  </a:txBody>
+                  <a:tcPr anchor="ctr">
+                    <a:lnL>
+                      <a:noFill/>
+                    </a:lnL>
+                    <a:lnR>
+                      <a:noFill/>
+                    </a:lnR>
+                    <a:lnT>
+                      <a:noFill/>
+                    </a:lnT>
+                    <a:lnB>
+                      <a:noFill/>
+                    </a:lnB>
+                    <a:noFill/>
+                  </a:tcPr>
+                </a:tc>
+                <a:tc>
+                  <a:txBody>
+                    <a:bodyPr/>
+                    <a:lstStyle/>
+                    <a:p>
+                      <a:pPr>
+                        <a:buNone/>
+                      </a:pPr>
+                      <a:r>
+                        <a:rPr lang="en-IN" sz="2400" b="1"/>
+                        <a:t>HTML + Server-side (PHP, JSP, Node.js)</a:t>
+                      </a:r>
+                    </a:p>
+                  </a:txBody>
+                  <a:tcPr anchor="ctr">
+                    <a:lnL>
+                      <a:noFill/>
+                    </a:lnL>
+                    <a:lnR>
+                      <a:noFill/>
+                    </a:lnR>
+                    <a:lnT>
+                      <a:noFill/>
+                    </a:lnT>
+                    <a:lnB>
+                      <a:noFill/>
+                    </a:lnB>
+                    <a:noFill/>
+                  </a:tcPr>
+                </a:tc>
+                <a:extLst>
+                  <a:ext uri="{0D108BD9-81ED-4DB2-BD59-A6C34878D82A}">
+                    <a16:rowId xmlns:a16="http://schemas.microsoft.com/office/drawing/2014/main" val="1980987890"/>
+                  </a:ext>
+                </a:extLst>
+              </a:tr>
+              <a:tr h="671181">
+                <a:tc>
+                  <a:txBody>
+                    <a:bodyPr/>
+                    <a:lstStyle/>
+                    <a:p>
+                      <a:pPr>
+                        <a:buNone/>
+                      </a:pPr>
+                      <a:r>
+                        <a:rPr lang="en-IN" sz="2400" b="1"/>
+                        <a:t>Example</a:t>
+                      </a:r>
+                    </a:p>
+                  </a:txBody>
+                  <a:tcPr anchor="ctr">
+                    <a:lnL>
+                      <a:noFill/>
+                    </a:lnL>
+                    <a:lnR>
+                      <a:noFill/>
+                    </a:lnR>
+                    <a:lnT>
+                      <a:noFill/>
+                    </a:lnT>
+                    <a:lnB>
+                      <a:noFill/>
+                    </a:lnB>
+                    <a:noFill/>
+                  </a:tcPr>
+                </a:tc>
+                <a:tc>
+                  <a:txBody>
+                    <a:bodyPr/>
+                    <a:lstStyle/>
+                    <a:p>
+                      <a:pPr>
+                        <a:buNone/>
+                      </a:pPr>
+                      <a:r>
+                        <a:rPr lang="en-IN" sz="2400" b="1"/>
+                        <a:t>Personal blog (pure HTML)</a:t>
+                      </a:r>
+                    </a:p>
+                  </a:txBody>
+                  <a:tcPr anchor="ctr">
+                    <a:lnL>
+                      <a:noFill/>
+                    </a:lnL>
+                    <a:lnR>
+                      <a:noFill/>
+                    </a:lnR>
+                    <a:lnT>
+                      <a:noFill/>
+                    </a:lnT>
+                    <a:lnB>
+                      <a:noFill/>
+                    </a:lnB>
+                    <a:noFill/>
+                  </a:tcPr>
+                </a:tc>
+                <a:tc>
+                  <a:txBody>
+                    <a:bodyPr/>
+                    <a:lstStyle/>
+                    <a:p>
+                      <a:pPr>
+                        <a:buNone/>
+                      </a:pPr>
+                      <a:r>
+                        <a:rPr lang="en-IN" sz="2400" b="1"/>
+                        <a:t>E-commerce site (Amazon)</a:t>
+                      </a:r>
+                    </a:p>
+                  </a:txBody>
+                  <a:tcPr anchor="ctr">
+                    <a:lnL>
+                      <a:noFill/>
+                    </a:lnL>
+                    <a:lnR>
+                      <a:noFill/>
+                    </a:lnR>
+                    <a:lnT>
+                      <a:noFill/>
+                    </a:lnT>
+                    <a:lnB>
+                      <a:noFill/>
+                    </a:lnB>
+                    <a:noFill/>
+                  </a:tcPr>
+                </a:tc>
+                <a:extLst>
+                  <a:ext uri="{0D108BD9-81ED-4DB2-BD59-A6C34878D82A}">
+                    <a16:rowId xmlns:a16="http://schemas.microsoft.com/office/drawing/2014/main" val="1240852010"/>
+                  </a:ext>
+                </a:extLst>
+              </a:tr>
+              <a:tr h="1174566">
+                <a:tc>
+                  <a:txBody>
+                    <a:bodyPr/>
+                    <a:lstStyle/>
+                    <a:p>
+                      <a:pPr>
+                        <a:buNone/>
+                      </a:pPr>
+                      <a:r>
+                        <a:rPr lang="en-IN" sz="2400" b="1"/>
+                        <a:t>Hosting</a:t>
+                      </a:r>
+                    </a:p>
+                  </a:txBody>
+                  <a:tcPr anchor="ctr">
+                    <a:lnL>
+                      <a:noFill/>
+                    </a:lnL>
+                    <a:lnR>
+                      <a:noFill/>
+                    </a:lnR>
+                    <a:lnT>
+                      <a:noFill/>
+                    </a:lnT>
+                    <a:lnB>
+                      <a:noFill/>
+                    </a:lnB>
+                    <a:noFill/>
+                  </a:tcPr>
+                </a:tc>
+                <a:tc>
+                  <a:txBody>
+                    <a:bodyPr/>
+                    <a:lstStyle/>
+                    <a:p>
+                      <a:pPr>
+                        <a:buNone/>
+                      </a:pPr>
+                      <a:r>
+                        <a:rPr lang="en-IN" sz="2400" b="1"/>
+                        <a:t>Simple, fast</a:t>
+                      </a:r>
+                    </a:p>
+                  </a:txBody>
+                  <a:tcPr anchor="ctr">
+                    <a:lnL>
+                      <a:noFill/>
+                    </a:lnL>
+                    <a:lnR>
+                      <a:noFill/>
+                    </a:lnR>
+                    <a:lnT>
+                      <a:noFill/>
+                    </a:lnT>
+                    <a:lnB>
+                      <a:noFill/>
+                    </a:lnB>
+                    <a:noFill/>
+                  </a:tcPr>
+                </a:tc>
+                <a:tc>
+                  <a:txBody>
+                    <a:bodyPr/>
+                    <a:lstStyle/>
+                    <a:p>
+                      <a:pPr>
+                        <a:buNone/>
+                      </a:pPr>
+                      <a:r>
+                        <a:rPr lang="en-US" sz="2400" b="1" dirty="0"/>
+                        <a:t>Needs backend logic and database</a:t>
+                      </a:r>
+                    </a:p>
+                  </a:txBody>
+                  <a:tcPr anchor="ctr">
+                    <a:lnL>
+                      <a:noFill/>
+                    </a:lnL>
+                    <a:lnR>
+                      <a:noFill/>
+                    </a:lnR>
+                    <a:lnT>
+                      <a:noFill/>
+                    </a:lnT>
+                    <a:lnB>
+                      <a:noFill/>
+                    </a:lnB>
+                    <a:noFill/>
+                  </a:tcPr>
+                </a:tc>
+                <a:extLst>
+                  <a:ext uri="{0D108BD9-81ED-4DB2-BD59-A6C34878D82A}">
+                    <a16:rowId xmlns:a16="http://schemas.microsoft.com/office/drawing/2014/main" val="3774742753"/>
+                  </a:ext>
+                </a:extLst>
+              </a:tr>
+            </a:tbl>
+          </a:graphicData>
+        </a:graphic>
+      </p:graphicFrame>
     </p:spTree>
   </p:cSld>
   <p:clrMapOvr>
@@ -4737,7 +5383,7 @@
           <a:lstStyle/>
           <a:p>
             <a:r>
-              <a:t>Full Stack Overview</a:t>
+              <a:t>Front-End Development</a:t>
             </a:r>
           </a:p>
         </p:txBody>
@@ -4754,22 +5400,59 @@
         </p:nvSpPr>
         <p:spPr/>
         <p:txBody>
-          <a:bodyPr/>
-          <a:lstStyle/>
-          <a:p>
-            <a:r>
-              <a:t>Combines front-end and back-end.</a:t>
-            </a:r>
-          </a:p>
-          <a:p>
-            <a:r>
-              <a:t>Full-stack developers work on both client and server side.</a:t>
-            </a:r>
-          </a:p>
-          <a:p>
-            <a:r>
-              <a:t>Example stacks: MERN, LAMP.</a:t>
-            </a:r>
+          <a:bodyPr>
+            <a:normAutofit/>
+          </a:bodyPr>
+          <a:lstStyle/>
+          <a:p>
+            <a:r>
+              <a:rPr dirty="0"/>
+              <a:t>Creates the visual interface of a website.</a:t>
+            </a:r>
+          </a:p>
+          <a:p>
+            <a:r>
+              <a:rPr lang="en-IN" dirty="0"/>
+              <a:t>Visible part of the website (UI/UX)</a:t>
+            </a:r>
+          </a:p>
+          <a:p>
+            <a:r>
+              <a:rPr lang="en-IN" dirty="0"/>
+              <a:t>Technologies: HTML, CSS, JavaScript, React, Angular</a:t>
+            </a:r>
+          </a:p>
+          <a:p>
+            <a:r>
+              <a:rPr lang="en-IN" dirty="0"/>
+              <a:t>Client side</a:t>
+            </a:r>
+          </a:p>
+          <a:p>
+            <a:r>
+              <a:rPr lang="en-IN" dirty="0"/>
+              <a:t>Focus: Design, responsiveness, user interaction</a:t>
+            </a:r>
+          </a:p>
+          <a:p>
+            <a:r>
+              <a:rPr lang="en-US" dirty="0"/>
+              <a:t>Tools: VS Code, Chrome </a:t>
+            </a:r>
+            <a:r>
+              <a:rPr lang="en-US" dirty="0" err="1"/>
+              <a:t>DevTools</a:t>
+            </a:r>
+            <a:r>
+              <a:rPr lang="en-US" dirty="0"/>
+              <a:t>.</a:t>
+            </a:r>
+          </a:p>
+          <a:p>
+            <a:pPr marL="0" indent="0">
+              <a:buNone/>
+            </a:pPr>
+            <a:endParaRPr dirty="0"/>
           </a:p>
         </p:txBody>
       </p:sp>
@@ -4881,7 +5564,7 @@
           <a:lstStyle/>
           <a:p>
             <a:r>
-              <a:t>Introduction to HTML</a:t>
+              <a:t>Back-End Development</a:t>
             </a:r>
           </a:p>
         </p:txBody>
@@ -4898,22 +5581,40 @@
         </p:nvSpPr>
         <p:spPr/>
         <p:txBody>
-          <a:bodyPr/>
-          <a:lstStyle/>
-          <a:p>
-            <a:r>
-              <a:t>HTML is the standard markup language for creating web pages.</a:t>
-            </a:r>
-          </a:p>
-          <a:p>
-            <a:r>
-              <a:t>Structure: &lt;!DOCTYPE html&gt;, &lt;html&gt;, &lt;head&gt;, &lt;body&gt;.</a:t>
-            </a:r>
-          </a:p>
-          <a:p>
-            <a:r>
-              <a:t>Tags define content.</a:t>
-            </a:r>
+          <a:bodyPr>
+            <a:normAutofit/>
+          </a:bodyPr>
+          <a:lstStyle/>
+          <a:p>
+            <a:r>
+              <a:rPr dirty="0"/>
+              <a:t>Handles business logic, database operations, and server communication.</a:t>
+            </a:r>
+          </a:p>
+          <a:p>
+            <a:r>
+              <a:rPr lang="en-IN" dirty="0"/>
+              <a:t>Backend (Server-side)</a:t>
+            </a:r>
+          </a:p>
+          <a:p>
+            <a:r>
+              <a:rPr lang="en-IN" dirty="0"/>
+              <a:t>Behind-the-scenes logic and data management</a:t>
+            </a:r>
+          </a:p>
+          <a:p>
+            <a:r>
+              <a:rPr lang="en-IN" dirty="0"/>
+              <a:t>Technologies: Node.js, PHP, Python, Java, .NET</a:t>
+            </a:r>
+          </a:p>
+          <a:p>
+            <a:r>
+              <a:rPr lang="en-IN" dirty="0"/>
+              <a:t>Focus: Business logic, database handling, APIs</a:t>
+            </a:r>
+            <a:endParaRPr dirty="0"/>
           </a:p>
         </p:txBody>
       </p:sp>
@@ -4958,7 +5659,7 @@
           <a:lstStyle/>
           <a:p>
             <a:r>
-              <a:t>HTML Elements and Attributes</a:t>
+              <a:t>Full Stack Overview</a:t>
             </a:r>
           </a:p>
         </p:txBody>
@@ -4979,17 +5680,17 @@
           <a:lstStyle/>
           <a:p>
             <a:r>
-              <a:t>Elements: &lt;h1&gt;, &lt;p&gt;, &lt;a&gt;, &lt;img&gt;.</a:t>
-            </a:r>
-          </a:p>
-          <a:p>
-            <a:r>
-              <a:t>Attributes: href, src, alt, title.</a:t>
-            </a:r>
-          </a:p>
-          <a:p>
-            <a:r>
-              <a:t>Void elements: &lt;br&gt;, &lt;hr&gt;, &lt;input&gt;.</a:t>
+              <a:t>Combines front-end and back-end.</a:t>
+            </a:r>
+          </a:p>
+          <a:p>
+            <a:r>
+              <a:t>Full-stack developers work on both client and server side.</a:t>
+            </a:r>
+          </a:p>
+          <a:p>
+            <a:r>
+              <a:t>Example stacks: MERN, LAMP.</a:t>
             </a:r>
           </a:p>
         </p:txBody>
@@ -5035,7 +5736,7 @@
           <a:lstStyle/>
           <a:p>
             <a:r>
-              <a:t>HTML Forms and Tables</a:t>
+              <a:t>Introduction to HTML</a:t>
             </a:r>
           </a:p>
         </p:txBody>
@@ -5056,12 +5757,17 @@
           <a:lstStyle/>
           <a:p>
             <a:r>
-              <a:t>Forms: &lt;form&gt;, &lt;input&gt;, &lt;select&gt;, &lt;textarea&gt;.</a:t>
-            </a:r>
-          </a:p>
-          <a:p>
-            <a:r>
-              <a:t>Tables: &lt;table&gt;, &lt;tr&gt;, &lt;td&gt;, &lt;th&gt;, &lt;thead&gt;, &lt;tbody&gt;.</a:t>
+              <a:t>HTML is the standard markup language for creating web pages.</a:t>
+            </a:r>
+          </a:p>
+          <a:p>
+            <a:r>
+              <a:t>Structure: &lt;!DOCTYPE html&gt;, &lt;html&gt;, &lt;head&gt;, &lt;body&gt;.</a:t>
+            </a:r>
+          </a:p>
+          <a:p>
+            <a:r>
+              <a:t>Tags define content.</a:t>
             </a:r>
           </a:p>
         </p:txBody>
@@ -5107,7 +5813,7 @@
           <a:lstStyle/>
           <a:p>
             <a:r>
-              <a:t>Introduction to CSS</a:t>
+              <a:t>HTML Elements and Attributes</a:t>
             </a:r>
           </a:p>
         </p:txBody>
@@ -5128,17 +5834,17 @@
           <a:lstStyle/>
           <a:p>
             <a:r>
-              <a:t>CSS (Cascading Style Sheets) defines how HTML elements are displayed.</a:t>
-            </a:r>
-          </a:p>
-          <a:p>
-            <a:r>
-              <a:t>Syntax: selector { property: value; }</a:t>
-            </a:r>
-          </a:p>
-          <a:p>
-            <a:r>
-              <a:t>Three types: Inline, Internal, External.</a:t>
+              <a:t>Elements: &lt;h1&gt;, &lt;p&gt;, &lt;a&gt;, &lt;img&gt;.</a:t>
+            </a:r>
+          </a:p>
+          <a:p>
+            <a:r>
+              <a:t>Attributes: href, src, alt, title.</a:t>
+            </a:r>
+          </a:p>
+          <a:p>
+            <a:r>
+              <a:t>Void elements: &lt;br&gt;, &lt;hr&gt;, &lt;input&gt;.</a:t>
             </a:r>
           </a:p>
         </p:txBody>
@@ -5184,7 +5890,7 @@
           <a:lstStyle/>
           <a:p>
             <a:r>
-              <a:t>CSS Box Model</a:t>
+              <a:t>HTML Forms and Tables</a:t>
             </a:r>
           </a:p>
         </p:txBody>
@@ -5205,17 +5911,12 @@
           <a:lstStyle/>
           <a:p>
             <a:r>
-              <a:t>Defines layout of elements:</a:t>
-            </a:r>
-          </a:p>
-          <a:p>
-            <a:r>
-              <a:t>Content → Padding → Border → Margin</a:t>
-            </a:r>
-          </a:p>
-          <a:p>
-            <a:r>
-              <a:t>Each area can be styled separately.</a:t>
+              <a:t>Forms: &lt;form&gt;, &lt;input&gt;, &lt;select&gt;, &lt;textarea&gt;.</a:t>
+            </a:r>
+          </a:p>
+          <a:p>
+            <a:r>
+              <a:t>Tables: &lt;table&gt;, &lt;tr&gt;, &lt;td&gt;, &lt;th&gt;, &lt;thead&gt;, &lt;tbody&gt;.</a:t>
             </a:r>
           </a:p>
         </p:txBody>
@@ -5261,7 +5962,7 @@
           <a:lstStyle/>
           <a:p>
             <a:r>
-              <a:t>CSS Positioning</a:t>
+              <a:t>Introduction to CSS</a:t>
             </a:r>
           </a:p>
         </p:txBody>
@@ -5282,12 +5983,17 @@
           <a:lstStyle/>
           <a:p>
             <a:r>
-              <a:t>Static (default), Relative, Absolute, Fixed, Sticky.</a:t>
-            </a:r>
-          </a:p>
-          <a:p>
-            <a:r>
-              <a:t>Also includes float and flexbox for layout design.</a:t>
+              <a:t>CSS (Cascading Style Sheets) defines how HTML elements are displayed.</a:t>
+            </a:r>
+          </a:p>
+          <a:p>
+            <a:r>
+              <a:t>Syntax: selector { property: value; }</a:t>
+            </a:r>
+          </a:p>
+          <a:p>
+            <a:r>
+              <a:t>Three types: Inline, Internal, External.</a:t>
             </a:r>
           </a:p>
         </p:txBody>
@@ -5333,7 +6039,7 @@
           <a:lstStyle/>
           <a:p>
             <a:r>
-              <a:t>Introduction to JavaScript</a:t>
+              <a:t>CSS Box Model</a:t>
             </a:r>
           </a:p>
         </p:txBody>
@@ -5354,17 +6060,17 @@
           <a:lstStyle/>
           <a:p>
             <a:r>
-              <a:t>JavaScript adds interactivity to web pages.</a:t>
-            </a:r>
-          </a:p>
-          <a:p>
-            <a:r>
-              <a:t>Used for form validation, DOM manipulation, event handling.</a:t>
-            </a:r>
-          </a:p>
-          <a:p>
-            <a:r>
-              <a:t>Runs on client-side.</a:t>
+              <a:t>Defines layout of elements:</a:t>
+            </a:r>
+          </a:p>
+          <a:p>
+            <a:r>
+              <a:t>Content → Padding → Border → Margin</a:t>
+            </a:r>
+          </a:p>
+          <a:p>
+            <a:r>
+              <a:t>Each area can be styled separately.</a:t>
             </a:r>
           </a:p>
         </p:txBody>
@@ -5410,7 +6116,7 @@
           <a:lstStyle/>
           <a:p>
             <a:r>
-              <a:t>JS Variables and Operators</a:t>
+              <a:t>CSS Positioning</a:t>
             </a:r>
           </a:p>
         </p:txBody>
@@ -5431,17 +6137,12 @@
           <a:lstStyle/>
           <a:p>
             <a:r>
-              <a:t>Variables: var, let, const.</a:t>
-            </a:r>
-          </a:p>
-          <a:p>
-            <a:r>
-              <a:t>Operators: +, -, *, /, %, ==, ===, &amp;&amp;, ||.</a:t>
-            </a:r>
-          </a:p>
-          <a:p>
-            <a:r>
-              <a:t>Used to store and manipulate data.</a:t>
+              <a:t>Static (default), Relative, Absolute, Fixed, Sticky.</a:t>
+            </a:r>
+          </a:p>
+          <a:p>
+            <a:r>
+              <a:t>Also includes float and flexbox for layout design.</a:t>
             </a:r>
           </a:p>
         </p:txBody>
@@ -5487,7 +6188,7 @@
           <a:lstStyle/>
           <a:p>
             <a:r>
-              <a:t>JS Functions and Events</a:t>
+              <a:t>Introduction to JavaScript</a:t>
             </a:r>
           </a:p>
         </p:txBody>
@@ -5508,17 +6209,17 @@
           <a:lstStyle/>
           <a:p>
             <a:r>
-              <a:t>Functions: Reusable code blocks (function name() {...}).</a:t>
-            </a:r>
-          </a:p>
-          <a:p>
-            <a:r>
-              <a:t>Events: onclick, onload, onsubmit.</a:t>
-            </a:r>
-          </a:p>
-          <a:p>
-            <a:r>
-              <a:t>Used to trigger scripts.</a:t>
+              <a:t>JavaScript adds interactivity to web pages.</a:t>
+            </a:r>
+          </a:p>
+          <a:p>
+            <a:r>
+              <a:t>Used for form validation, DOM manipulation, event handling.</a:t>
+            </a:r>
+          </a:p>
+          <a:p>
+            <a:r>
+              <a:t>Runs on client-side.</a:t>
             </a:r>
           </a:p>
         </p:txBody>
@@ -5564,7 +6265,7 @@
           <a:lstStyle/>
           <a:p>
             <a:r>
-              <a:t>JS DOM Manipulation</a:t>
+              <a:t>JS Variables and Operators</a:t>
             </a:r>
           </a:p>
         </p:txBody>
@@ -5585,17 +6286,17 @@
           <a:lstStyle/>
           <a:p>
             <a:r>
-              <a:t>DOM: Document Object Model.</a:t>
-            </a:r>
-          </a:p>
-          <a:p>
-            <a:r>
-              <a:t>Methods: getElementById(), querySelector(), innerHTML.</a:t>
-            </a:r>
-          </a:p>
-          <a:p>
-            <a:r>
-              <a:t>Allows JS to interact with HTML.</a:t>
+              <a:t>Variables: var, let, const.</a:t>
+            </a:r>
+          </a:p>
+          <a:p>
+            <a:r>
+              <a:t>Operators: +, -, *, /, %, ==, ===, &amp;&amp;, ||.</a:t>
+            </a:r>
+          </a:p>
+          <a:p>
+            <a:r>
+              <a:t>Used to store and manipulate data.</a:t>
             </a:r>
           </a:p>
         </p:txBody>
@@ -5718,7 +6419,7 @@
           <a:lstStyle/>
           <a:p>
             <a:r>
-              <a:t>Introduction to XML</a:t>
+              <a:t>JS Functions and Events</a:t>
             </a:r>
           </a:p>
         </p:txBody>
@@ -5739,17 +6440,17 @@
           <a:lstStyle/>
           <a:p>
             <a:r>
-              <a:t>XML (eXtensible Markup Language) is used to store and transport data.</a:t>
-            </a:r>
-          </a:p>
-          <a:p>
-            <a:r>
-              <a:t>Custom tags; self-descriptive structure.</a:t>
-            </a:r>
-          </a:p>
-          <a:p>
-            <a:r>
-              <a:t>Follows strict syntax rules.</a:t>
+              <a:t>Functions: Reusable code blocks (function name() {...}).</a:t>
+            </a:r>
+          </a:p>
+          <a:p>
+            <a:r>
+              <a:t>Events: onclick, onload, onsubmit.</a:t>
+            </a:r>
+          </a:p>
+          <a:p>
+            <a:r>
+              <a:t>Used to trigger scripts.</a:t>
             </a:r>
           </a:p>
         </p:txBody>
@@ -5795,7 +6496,7 @@
           <a:lstStyle/>
           <a:p>
             <a:r>
-              <a:t>XML vs HTML</a:t>
+              <a:t>JS DOM Manipulation</a:t>
             </a:r>
           </a:p>
         </p:txBody>
@@ -5816,17 +6517,17 @@
           <a:lstStyle/>
           <a:p>
             <a:r>
-              <a:t>HTML: Displays content, predefined tags.</a:t>
-            </a:r>
-          </a:p>
-          <a:p>
-            <a:r>
-              <a:t>XML: Stores data, user-defined tags.</a:t>
-            </a:r>
-          </a:p>
-          <a:p>
-            <a:r>
-              <a:t>XML must be well-formed and optionally validated.</a:t>
+              <a:t>DOM: Document Object Model.</a:t>
+            </a:r>
+          </a:p>
+          <a:p>
+            <a:r>
+              <a:t>Methods: getElementById(), querySelector(), innerHTML.</a:t>
+            </a:r>
+          </a:p>
+          <a:p>
+            <a:r>
+              <a:t>Allows JS to interact with HTML.</a:t>
             </a:r>
           </a:p>
         </p:txBody>
@@ -5872,7 +6573,7 @@
           <a:lstStyle/>
           <a:p>
             <a:r>
-              <a:t>HTTP Protocol</a:t>
+              <a:t>Introduction to XML</a:t>
             </a:r>
           </a:p>
         </p:txBody>
@@ -5893,17 +6594,17 @@
           <a:lstStyle/>
           <a:p>
             <a:r>
-              <a:t>HyperText Transfer Protocol governs data communication on the web.</a:t>
-            </a:r>
-          </a:p>
-          <a:p>
-            <a:r>
-              <a:t>Request Methods: GET, POST, PUT, DELETE.</a:t>
-            </a:r>
-          </a:p>
-          <a:p>
-            <a:r>
-              <a:t>Stateless protocol.</a:t>
+              <a:t>XML (eXtensible Markup Language) is used to store and transport data.</a:t>
+            </a:r>
+          </a:p>
+          <a:p>
+            <a:r>
+              <a:t>Custom tags; self-descriptive structure.</a:t>
+            </a:r>
+          </a:p>
+          <a:p>
+            <a:r>
+              <a:t>Follows strict syntax rules.</a:t>
             </a:r>
           </a:p>
         </p:txBody>
@@ -5949,7 +6650,7 @@
           <a:lstStyle/>
           <a:p>
             <a:r>
-              <a:t>HTTP Status Codes</a:t>
+              <a:t>XML vs HTML</a:t>
             </a:r>
           </a:p>
         </p:txBody>
@@ -5970,22 +6671,17 @@
           <a:lstStyle/>
           <a:p>
             <a:r>
-              <a:t>Indicate result of HTTP requests:</a:t>
-            </a:r>
-          </a:p>
-          <a:p>
-            <a:r>
-              <a:t>200 OK: Success</a:t>
-            </a:r>
-          </a:p>
-          <a:p>
-            <a:r>
-              <a:t>404 Not Found: Resource missing</a:t>
-            </a:r>
-          </a:p>
-          <a:p>
-            <a:r>
-              <a:t>500: Server error</a:t>
+              <a:t>HTML: Displays content, predefined tags.</a:t>
+            </a:r>
+          </a:p>
+          <a:p>
+            <a:r>
+              <a:t>XML: Stores data, user-defined tags.</a:t>
+            </a:r>
+          </a:p>
+          <a:p>
+            <a:r>
+              <a:t>XML must be well-formed and optionally validated.</a:t>
             </a:r>
           </a:p>
         </p:txBody>
@@ -6031,7 +6727,7 @@
           <a:lstStyle/>
           <a:p>
             <a:r>
-              <a:t>Secure HTTP (HTTPS)</a:t>
+              <a:t>HTTP Protocol</a:t>
             </a:r>
           </a:p>
         </p:txBody>
@@ -6052,17 +6748,17 @@
           <a:lstStyle/>
           <a:p>
             <a:r>
-              <a:t>Uses SSL/TLS for encryption.</a:t>
-            </a:r>
-          </a:p>
-          <a:p>
-            <a:r>
-              <a:t>Ensures secure communication between browser and server.</a:t>
-            </a:r>
-          </a:p>
-          <a:p>
-            <a:r>
-              <a:t>Important for sensitive data.</a:t>
+              <a:t>HyperText Transfer Protocol governs data communication on the web.</a:t>
+            </a:r>
+          </a:p>
+          <a:p>
+            <a:r>
+              <a:t>Request Methods: GET, POST, PUT, DELETE.</a:t>
+            </a:r>
+          </a:p>
+          <a:p>
+            <a:r>
+              <a:t>Stateless protocol.</a:t>
             </a:r>
           </a:p>
         </p:txBody>
@@ -6108,7 +6804,7 @@
           <a:lstStyle/>
           <a:p>
             <a:r>
-              <a:t>URL Structure</a:t>
+              <a:t>HTTP Status Codes</a:t>
             </a:r>
           </a:p>
         </p:txBody>
@@ -6129,17 +6825,22 @@
           <a:lstStyle/>
           <a:p>
             <a:r>
-              <a:t>URL (Uniform Resource Locator) format:</a:t>
-            </a:r>
-          </a:p>
-          <a:p>
-            <a:r>
-              <a:t>Scheme://Domain:Port/Path?Query</a:t>
-            </a:r>
-          </a:p>
-          <a:p>
-            <a:r>
-              <a:t>Example: https://example.com:80/index.html?id=1</a:t>
+              <a:t>Indicate result of HTTP requests:</a:t>
+            </a:r>
+          </a:p>
+          <a:p>
+            <a:r>
+              <a:t>200 OK: Success</a:t>
+            </a:r>
+          </a:p>
+          <a:p>
+            <a:r>
+              <a:t>404 Not Found: Resource missing</a:t>
+            </a:r>
+          </a:p>
+          <a:p>
+            <a:r>
+              <a:t>500: Server error</a:t>
             </a:r>
           </a:p>
         </p:txBody>
@@ -6185,7 +6886,7 @@
           <a:lstStyle/>
           <a:p>
             <a:r>
-              <a:t>Introduction to Web Services</a:t>
+              <a:t>Secure HTTP (HTTPS)</a:t>
             </a:r>
           </a:p>
         </p:txBody>
@@ -6206,12 +6907,17 @@
           <a:lstStyle/>
           <a:p>
             <a:r>
-              <a:t>Enable machine-to-machine communication over a network.</a:t>
-            </a:r>
-          </a:p>
-          <a:p>
-            <a:r>
-              <a:t>Support interoperability using standard protocols like HTTP, XML, JSON.</a:t>
+              <a:t>Uses SSL/TLS for encryption.</a:t>
+            </a:r>
+          </a:p>
+          <a:p>
+            <a:r>
+              <a:t>Ensures secure communication between browser and server.</a:t>
+            </a:r>
+          </a:p>
+          <a:p>
+            <a:r>
+              <a:t>Important for sensitive data.</a:t>
             </a:r>
           </a:p>
         </p:txBody>
@@ -6257,7 +6963,7 @@
           <a:lstStyle/>
           <a:p>
             <a:r>
-              <a:t>SOAP Protocol</a:t>
+              <a:t>URL Structure</a:t>
             </a:r>
           </a:p>
         </p:txBody>
@@ -6278,17 +6984,17 @@
           <a:lstStyle/>
           <a:p>
             <a:r>
-              <a:t>SOAP (Simple Object Access Protocol):</a:t>
-            </a:r>
-          </a:p>
-          <a:p>
-            <a:r>
-              <a:t>XML-based, strict message format.</a:t>
-            </a:r>
-          </a:p>
-          <a:p>
-            <a:r>
-              <a:t>Platform and language independent.</a:t>
+              <a:t>URL (Uniform Resource Locator) format:</a:t>
+            </a:r>
+          </a:p>
+          <a:p>
+            <a:r>
+              <a:t>Scheme://Domain:Port/Path?Query</a:t>
+            </a:r>
+          </a:p>
+          <a:p>
+            <a:r>
+              <a:t>Example: https://example.com:80/index.html?id=1</a:t>
             </a:r>
           </a:p>
         </p:txBody>
@@ -6334,7 +7040,7 @@
           <a:lstStyle/>
           <a:p>
             <a:r>
-              <a:t>REST Protocol</a:t>
+              <a:t>Introduction to Web Services</a:t>
             </a:r>
           </a:p>
         </p:txBody>
@@ -6355,17 +7061,12 @@
           <a:lstStyle/>
           <a:p>
             <a:r>
-              <a:t>REST (Representational State Transfer):</a:t>
-            </a:r>
-          </a:p>
-          <a:p>
-            <a:r>
-              <a:t>Lightweight, uses HTTP methods (GET, POST, PUT, DELETE).</a:t>
-            </a:r>
-          </a:p>
-          <a:p>
-            <a:r>
-              <a:t>Supports JSON and XML.</a:t>
+              <a:t>Enable machine-to-machine communication over a network.</a:t>
+            </a:r>
+          </a:p>
+          <a:p>
+            <a:r>
+              <a:t>Support interoperability using standard protocols like HTTP, XML, JSON.</a:t>
             </a:r>
           </a:p>
         </p:txBody>
@@ -6411,7 +7112,7 @@
           <a:lstStyle/>
           <a:p>
             <a:r>
-              <a:t>REST vs SOAP</a:t>
+              <a:t>SOAP Protocol</a:t>
             </a:r>
           </a:p>
         </p:txBody>
@@ -6432,12 +7133,17 @@
           <a:lstStyle/>
           <a:p>
             <a:r>
-              <a:t>SOAP: Strict, uses XML, good for enterprise apps.</a:t>
-            </a:r>
-          </a:p>
-          <a:p>
-            <a:r>
-              <a:t>REST: Flexible, uses JSON, preferred for modern web APIs.</a:t>
+              <a:t>SOAP (Simple Object Access Protocol):</a:t>
+            </a:r>
+          </a:p>
+          <a:p>
+            <a:r>
+              <a:t>XML-based, strict message format.</a:t>
+            </a:r>
+          </a:p>
+          <a:p>
+            <a:r>
+              <a:t>Platform and language independent.</a:t>
             </a:r>
           </a:p>
         </p:txBody>
@@ -6560,7 +7266,7 @@
           <a:lstStyle/>
           <a:p>
             <a:r>
-              <a:t>Revision Quiz</a:t>
+              <a:t>REST Protocol</a:t>
             </a:r>
           </a:p>
         </p:txBody>
@@ -6581,27 +7287,17 @@
           <a:lstStyle/>
           <a:p>
             <a:r>
-              <a:t>1. What is TCP/IP?</a:t>
-            </a:r>
-          </a:p>
-          <a:p>
-            <a:r>
-              <a:t>2. Difference between static and dynamic web pages?</a:t>
-            </a:r>
-          </a:p>
-          <a:p>
-            <a:r>
-              <a:t>3. What is REST?</a:t>
-            </a:r>
-          </a:p>
-          <a:p>
-            <a:r>
-              <a:t>4. Give an example of a URL.</a:t>
-            </a:r>
-          </a:p>
-          <a:p>
-            <a:r>
-              <a:t>(Provide answers orally or as worksheet)</a:t>
+              <a:t>REST (Representational State Transfer):</a:t>
+            </a:r>
+          </a:p>
+          <a:p>
+            <a:r>
+              <a:t>Lightweight, uses HTTP methods (GET, POST, PUT, DELETE).</a:t>
+            </a:r>
+          </a:p>
+          <a:p>
+            <a:r>
+              <a:t>Supports JSON and XML.</a:t>
             </a:r>
           </a:p>
         </p:txBody>
@@ -6647,7 +7343,7 @@
           <a:lstStyle/>
           <a:p>
             <a:r>
-              <a:t>Web Tech Applications</a:t>
+              <a:t>REST vs SOAP</a:t>
             </a:r>
           </a:p>
         </p:txBody>
@@ -6668,27 +7364,12 @@
           <a:lstStyle/>
           <a:p>
             <a:r>
-              <a:t>Used in:</a:t>
-            </a:r>
-          </a:p>
-          <a:p>
-            <a:r>
-              <a:t>- E-commerce (Amazon)</a:t>
-            </a:r>
-          </a:p>
-          <a:p>
-            <a:r>
-              <a:t>- Education (Google Classroom)</a:t>
-            </a:r>
-          </a:p>
-          <a:p>
-            <a:r>
-              <a:t>- Banking (Net Banking)</a:t>
-            </a:r>
-          </a:p>
-          <a:p>
-            <a:r>
-              <a:t>- Entertainment (Netflix)</a:t>
+              <a:t>SOAP: Strict, uses XML, good for enterprise apps.</a:t>
+            </a:r>
+          </a:p>
+          <a:p>
+            <a:r>
+              <a:t>REST: Flexible, uses JSON, preferred for modern web APIs.</a:t>
             </a:r>
           </a:p>
         </p:txBody>
@@ -6734,7 +7415,7 @@
           <a:lstStyle/>
           <a:p>
             <a:r>
-              <a:t>Conclusion</a:t>
+              <a:t>Revision Quiz</a:t>
             </a:r>
           </a:p>
         </p:txBody>
@@ -6755,12 +7436,27 @@
           <a:lstStyle/>
           <a:p>
             <a:r>
-              <a:t>Web technologies form the backbone of the modern internet.</a:t>
-            </a:r>
-          </a:p>
-          <a:p>
-            <a:r>
-              <a:t>Understanding protocols, architectures, and front-end/back-end helps build dynamic and interactive web apps.</a:t>
+              <a:t>1. What is TCP/IP?</a:t>
+            </a:r>
+          </a:p>
+          <a:p>
+            <a:r>
+              <a:t>2. Difference between static and dynamic web pages?</a:t>
+            </a:r>
+          </a:p>
+          <a:p>
+            <a:r>
+              <a:t>3. What is REST?</a:t>
+            </a:r>
+          </a:p>
+          <a:p>
+            <a:r>
+              <a:t>4. Give an example of a URL.</a:t>
+            </a:r>
+          </a:p>
+          <a:p>
+            <a:r>
+              <a:t>(Provide answers orally or as worksheet)</a:t>
             </a:r>
           </a:p>
         </p:txBody>
@@ -6774,6 +7470,165 @@
 </file>
 
 <file path=ppt/slides/slide53.xml><?xml version="1.0" encoding="utf-8"?>
+<p:sld xmlns:a="http://schemas.openxmlformats.org/drawingml/2006/main" xmlns:r="http://schemas.openxmlformats.org/officeDocument/2006/relationships" xmlns:p="http://schemas.openxmlformats.org/presentationml/2006/main">
+  <p:cSld>
+    <p:spTree>
+      <p:nvGrpSpPr>
+        <p:cNvPr id="1" name=""/>
+        <p:cNvGrpSpPr/>
+        <p:nvPr/>
+      </p:nvGrpSpPr>
+      <p:grpSpPr>
+        <a:xfrm>
+          <a:off x="0" y="0"/>
+          <a:ext cx="0" cy="0"/>
+          <a:chOff x="0" y="0"/>
+          <a:chExt cx="0" cy="0"/>
+        </a:xfrm>
+      </p:grpSpPr>
+      <p:sp>
+        <p:nvSpPr>
+          <p:cNvPr id="2" name="Title 1"/>
+          <p:cNvSpPr>
+            <a:spLocks noGrp="1"/>
+          </p:cNvSpPr>
+          <p:nvPr>
+            <p:ph type="title"/>
+          </p:nvPr>
+        </p:nvSpPr>
+        <p:spPr/>
+        <p:txBody>
+          <a:bodyPr/>
+          <a:lstStyle/>
+          <a:p>
+            <a:r>
+              <a:t>Web Tech Applications</a:t>
+            </a:r>
+          </a:p>
+        </p:txBody>
+      </p:sp>
+      <p:sp>
+        <p:nvSpPr>
+          <p:cNvPr id="3" name="Content Placeholder 2"/>
+          <p:cNvSpPr>
+            <a:spLocks noGrp="1"/>
+          </p:cNvSpPr>
+          <p:nvPr>
+            <p:ph idx="1"/>
+          </p:nvPr>
+        </p:nvSpPr>
+        <p:spPr/>
+        <p:txBody>
+          <a:bodyPr/>
+          <a:lstStyle/>
+          <a:p>
+            <a:r>
+              <a:t>Used in:</a:t>
+            </a:r>
+          </a:p>
+          <a:p>
+            <a:r>
+              <a:t>- E-commerce (Amazon)</a:t>
+            </a:r>
+          </a:p>
+          <a:p>
+            <a:r>
+              <a:t>- Education (Google Classroom)</a:t>
+            </a:r>
+          </a:p>
+          <a:p>
+            <a:r>
+              <a:t>- Banking (Net Banking)</a:t>
+            </a:r>
+          </a:p>
+          <a:p>
+            <a:r>
+              <a:t>- Entertainment (Netflix)</a:t>
+            </a:r>
+          </a:p>
+        </p:txBody>
+      </p:sp>
+    </p:spTree>
+  </p:cSld>
+  <p:clrMapOvr>
+    <a:masterClrMapping/>
+  </p:clrMapOvr>
+</p:sld>
+</file>
+
+<file path=ppt/slides/slide54.xml><?xml version="1.0" encoding="utf-8"?>
+<p:sld xmlns:a="http://schemas.openxmlformats.org/drawingml/2006/main" xmlns:r="http://schemas.openxmlformats.org/officeDocument/2006/relationships" xmlns:p="http://schemas.openxmlformats.org/presentationml/2006/main">
+  <p:cSld>
+    <p:spTree>
+      <p:nvGrpSpPr>
+        <p:cNvPr id="1" name=""/>
+        <p:cNvGrpSpPr/>
+        <p:nvPr/>
+      </p:nvGrpSpPr>
+      <p:grpSpPr>
+        <a:xfrm>
+          <a:off x="0" y="0"/>
+          <a:ext cx="0" cy="0"/>
+          <a:chOff x="0" y="0"/>
+          <a:chExt cx="0" cy="0"/>
+        </a:xfrm>
+      </p:grpSpPr>
+      <p:sp>
+        <p:nvSpPr>
+          <p:cNvPr id="2" name="Title 1"/>
+          <p:cNvSpPr>
+            <a:spLocks noGrp="1"/>
+          </p:cNvSpPr>
+          <p:nvPr>
+            <p:ph type="title"/>
+          </p:nvPr>
+        </p:nvSpPr>
+        <p:spPr/>
+        <p:txBody>
+          <a:bodyPr/>
+          <a:lstStyle/>
+          <a:p>
+            <a:r>
+              <a:t>Conclusion</a:t>
+            </a:r>
+          </a:p>
+        </p:txBody>
+      </p:sp>
+      <p:sp>
+        <p:nvSpPr>
+          <p:cNvPr id="3" name="Content Placeholder 2"/>
+          <p:cNvSpPr>
+            <a:spLocks noGrp="1"/>
+          </p:cNvSpPr>
+          <p:nvPr>
+            <p:ph idx="1"/>
+          </p:nvPr>
+        </p:nvSpPr>
+        <p:spPr/>
+        <p:txBody>
+          <a:bodyPr/>
+          <a:lstStyle/>
+          <a:p>
+            <a:r>
+              <a:t>Web technologies form the backbone of the modern internet.</a:t>
+            </a:r>
+          </a:p>
+          <a:p>
+            <a:r>
+              <a:t>Understanding protocols, architectures, and front-end/back-end helps build dynamic and interactive web apps.</a:t>
+            </a:r>
+          </a:p>
+        </p:txBody>
+      </p:sp>
+    </p:spTree>
+  </p:cSld>
+  <p:clrMapOvr>
+    <a:masterClrMapping/>
+  </p:clrMapOvr>
+</p:sld>
+</file>
+
+<file path=ppt/slides/slide55.xml><?xml version="1.0" encoding="utf-8"?>
 <p:sld xmlns:a="http://schemas.openxmlformats.org/drawingml/2006/main" xmlns:r="http://schemas.openxmlformats.org/officeDocument/2006/relationships" xmlns:p="http://schemas.openxmlformats.org/presentationml/2006/main">
   <p:cSld>
     <p:spTree>
